--- a/CastReporting.Reporting/TemplatesFiles/Executive-summary-sample2.pptx
+++ b/CastReporting.Reporting/TemplatesFiles/Executive-summary-sample2.pptx
@@ -105,6 +105,22 @@
       </a:defRPr>
     </a:lvl9pPr>
   </p:defaultTextStyle>
+  <p:extLst>
+    <p:ext uri="{EFAFB233-063F-42B5-8137-9DF3F51BA10A}">
+      <p15:sldGuideLst xmlns:p15="http://schemas.microsoft.com/office/powerpoint/2012/main">
+        <p15:guide id="1" orient="horz" pos="2160">
+          <p15:clr>
+            <a:srgbClr val="A4A3A4"/>
+          </p15:clr>
+        </p15:guide>
+        <p15:guide id="2" pos="2880">
+          <p15:clr>
+            <a:srgbClr val="A4A3A4"/>
+          </p15:clr>
+        </p15:guide>
+      </p15:sldGuideLst>
+    </p:ext>
+  </p:extLst>
 </p:presentation>
 </file>
 
@@ -306,22 +322,22 @@
           <c:showPercent val="0"/>
           <c:showBubbleSize val="0"/>
         </c:dLbls>
-        <c:axId val="136082944"/>
-        <c:axId val="136084480"/>
+        <c:axId val="237844224"/>
+        <c:axId val="237845792"/>
       </c:radarChart>
       <c:catAx>
-        <c:axId val="136082944"/>
+        <c:axId val="237844224"/>
         <c:scaling>
           <c:orientation val="minMax"/>
         </c:scaling>
         <c:delete val="0"/>
         <c:axPos val="b"/>
         <c:majorGridlines/>
-        <c:numFmt formatCode="m/d/yyyy" sourceLinked="1"/>
+        <c:numFmt formatCode="General" sourceLinked="1"/>
         <c:majorTickMark val="out"/>
         <c:minorTickMark val="none"/>
         <c:tickLblPos val="nextTo"/>
-        <c:crossAx val="136084480"/>
+        <c:crossAx val="237845792"/>
         <c:crosses val="autoZero"/>
         <c:auto val="1"/>
         <c:lblAlgn val="ctr"/>
@@ -329,7 +345,7 @@
         <c:noMultiLvlLbl val="0"/>
       </c:catAx>
       <c:valAx>
-        <c:axId val="136084480"/>
+        <c:axId val="237845792"/>
         <c:scaling>
           <c:orientation val="minMax"/>
           <c:max val="4"/>
@@ -342,7 +358,7 @@
         <c:majorTickMark val="cross"/>
         <c:minorTickMark val="none"/>
         <c:tickLblPos val="nextTo"/>
-        <c:crossAx val="136082944"/>
+        <c:crossAx val="237844224"/>
         <c:crosses val="autoZero"/>
         <c:crossBetween val="between"/>
       </c:valAx>
@@ -436,6 +452,11 @@
               <c:showBubbleSize val="0"/>
               <c:separator>
 </c:separator>
+              <c:extLst>
+                <c:ext xmlns:c15="http://schemas.microsoft.com/office/drawing/2012/chart" uri="{CE6537A1-D6FC-4f65-9D91-7224C49458BB}">
+                  <c15:layout/>
+                </c:ext>
+              </c:extLst>
             </c:dLbl>
             <c:dLbl>
               <c:idx val="4"/>
@@ -453,7 +474,19 @@
               <c:showBubbleSize val="0"/>
               <c:separator>
 </c:separator>
+              <c:extLst>
+                <c:ext xmlns:c15="http://schemas.microsoft.com/office/drawing/2012/chart" uri="{CE6537A1-D6FC-4f65-9D91-7224C49458BB}">
+                  <c15:layout/>
+                </c:ext>
+              </c:extLst>
             </c:dLbl>
+            <c:spPr>
+              <a:noFill/>
+              <a:ln>
+                <a:noFill/>
+              </a:ln>
+              <a:effectLst/>
+            </c:spPr>
             <c:txPr>
               <a:bodyPr/>
               <a:lstStyle/>
@@ -483,6 +516,11 @@
             <c:separator>
 </c:separator>
             <c:showLeaderLines val="1"/>
+            <c:extLst>
+              <c:ext xmlns:c15="http://schemas.microsoft.com/office/drawing/2012/chart" uri="{CE6537A1-D6FC-4f65-9D91-7224C49458BB}">
+                <c15:layout/>
+              </c:ext>
+            </c:extLst>
           </c:dLbls>
           <c:cat>
             <c:strRef>
@@ -585,7 +623,6 @@
   </mc:AlternateContent>
   <c:chart>
     <c:title>
-      <c:layout/>
       <c:overlay val="0"/>
     </c:title>
     <c:autoTitleDeleted val="0"/>
@@ -609,6 +646,13 @@
           </c:tx>
           <c:invertIfNegative val="0"/>
           <c:dLbls>
+            <c:spPr>
+              <a:noFill/>
+              <a:ln>
+                <a:noFill/>
+              </a:ln>
+              <a:effectLst/>
+            </c:spPr>
             <c:showLegendKey val="0"/>
             <c:showVal val="0"/>
             <c:showCatName val="0"/>
@@ -616,6 +660,11 @@
             <c:showPercent val="0"/>
             <c:showBubbleSize val="1"/>
             <c:showLeaderLines val="0"/>
+            <c:extLst>
+              <c:ext xmlns:c15="http://schemas.microsoft.com/office/drawing/2012/chart" uri="{CE6537A1-D6FC-4f65-9D91-7224C49458BB}">
+                <c15:showLeaderLines val="0"/>
+              </c:ext>
+            </c:extLst>
           </c:dLbls>
           <c:xVal>
             <c:numRef>
@@ -683,11 +732,11 @@
         </c:dLbls>
         <c:bubbleScale val="100"/>
         <c:showNegBubbles val="0"/>
-        <c:axId val="164397440"/>
-        <c:axId val="164398976"/>
+        <c:axId val="214575000"/>
+        <c:axId val="214578528"/>
       </c:bubbleChart>
       <c:valAx>
-        <c:axId val="164397440"/>
+        <c:axId val="214575000"/>
         <c:scaling>
           <c:orientation val="minMax"/>
           <c:max val="4"/>
@@ -699,13 +748,13 @@
         <c:majorTickMark val="out"/>
         <c:minorTickMark val="none"/>
         <c:tickLblPos val="nextTo"/>
-        <c:crossAx val="164398976"/>
+        <c:crossAx val="214578528"/>
         <c:crosses val="autoZero"/>
         <c:crossBetween val="midCat"/>
         <c:minorUnit val="0.25"/>
       </c:valAx>
       <c:valAx>
-        <c:axId val="164398976"/>
+        <c:axId val="214578528"/>
         <c:scaling>
           <c:orientation val="minMax"/>
         </c:scaling>
@@ -716,14 +765,13 @@
         <c:majorTickMark val="out"/>
         <c:minorTickMark val="none"/>
         <c:tickLblPos val="nextTo"/>
-        <c:crossAx val="164397440"/>
+        <c:crossAx val="214575000"/>
         <c:crosses val="autoZero"/>
         <c:crossBetween val="midCat"/>
       </c:valAx>
     </c:plotArea>
     <c:legend>
       <c:legendPos val="r"/>
-      <c:layout/>
       <c:overlay val="0"/>
     </c:legend>
     <c:plotVisOnly val="1"/>
@@ -928,7 +976,7 @@
             <a:fld id="{D8E3BBD6-5DF7-411E-B793-6A3558CCCDCA}" type="datetimeFigureOut">
               <a:rPr lang="fr-FR" smtClean="0"/>
               <a:pPr/>
-              <a:t>08/12/2014</a:t>
+              <a:t>02/02/2016</a:t>
             </a:fld>
             <a:endParaRPr lang="fr-FR"/>
           </a:p>
@@ -1095,7 +1143,7 @@
             <a:fld id="{D8E3BBD6-5DF7-411E-B793-6A3558CCCDCA}" type="datetimeFigureOut">
               <a:rPr lang="fr-FR" smtClean="0"/>
               <a:pPr/>
-              <a:t>08/12/2014</a:t>
+              <a:t>02/02/2016</a:t>
             </a:fld>
             <a:endParaRPr lang="fr-FR"/>
           </a:p>
@@ -1272,7 +1320,7 @@
             <a:fld id="{D8E3BBD6-5DF7-411E-B793-6A3558CCCDCA}" type="datetimeFigureOut">
               <a:rPr lang="fr-FR" smtClean="0"/>
               <a:pPr/>
-              <a:t>08/12/2014</a:t>
+              <a:t>02/02/2016</a:t>
             </a:fld>
             <a:endParaRPr lang="fr-FR"/>
           </a:p>
@@ -1439,7 +1487,7 @@
             <a:fld id="{D8E3BBD6-5DF7-411E-B793-6A3558CCCDCA}" type="datetimeFigureOut">
               <a:rPr lang="fr-FR" smtClean="0"/>
               <a:pPr/>
-              <a:t>08/12/2014</a:t>
+              <a:t>02/02/2016</a:t>
             </a:fld>
             <a:endParaRPr lang="fr-FR"/>
           </a:p>
@@ -1682,7 +1730,7 @@
             <a:fld id="{D8E3BBD6-5DF7-411E-B793-6A3558CCCDCA}" type="datetimeFigureOut">
               <a:rPr lang="fr-FR" smtClean="0"/>
               <a:pPr/>
-              <a:t>08/12/2014</a:t>
+              <a:t>02/02/2016</a:t>
             </a:fld>
             <a:endParaRPr lang="fr-FR"/>
           </a:p>
@@ -1967,7 +2015,7 @@
             <a:fld id="{D8E3BBD6-5DF7-411E-B793-6A3558CCCDCA}" type="datetimeFigureOut">
               <a:rPr lang="fr-FR" smtClean="0"/>
               <a:pPr/>
-              <a:t>08/12/2014</a:t>
+              <a:t>02/02/2016</a:t>
             </a:fld>
             <a:endParaRPr lang="fr-FR"/>
           </a:p>
@@ -2386,7 +2434,7 @@
             <a:fld id="{D8E3BBD6-5DF7-411E-B793-6A3558CCCDCA}" type="datetimeFigureOut">
               <a:rPr lang="fr-FR" smtClean="0"/>
               <a:pPr/>
-              <a:t>08/12/2014</a:t>
+              <a:t>02/02/2016</a:t>
             </a:fld>
             <a:endParaRPr lang="fr-FR"/>
           </a:p>
@@ -2501,7 +2549,7 @@
             <a:fld id="{D8E3BBD6-5DF7-411E-B793-6A3558CCCDCA}" type="datetimeFigureOut">
               <a:rPr lang="fr-FR" smtClean="0"/>
               <a:pPr/>
-              <a:t>08/12/2014</a:t>
+              <a:t>02/02/2016</a:t>
             </a:fld>
             <a:endParaRPr lang="fr-FR"/>
           </a:p>
@@ -2593,7 +2641,7 @@
             <a:fld id="{D8E3BBD6-5DF7-411E-B793-6A3558CCCDCA}" type="datetimeFigureOut">
               <a:rPr lang="fr-FR" smtClean="0"/>
               <a:pPr/>
-              <a:t>08/12/2014</a:t>
+              <a:t>02/02/2016</a:t>
             </a:fld>
             <a:endParaRPr lang="fr-FR"/>
           </a:p>
@@ -2867,7 +2915,7 @@
             <a:fld id="{D8E3BBD6-5DF7-411E-B793-6A3558CCCDCA}" type="datetimeFigureOut">
               <a:rPr lang="fr-FR" smtClean="0"/>
               <a:pPr/>
-              <a:t>08/12/2014</a:t>
+              <a:t>02/02/2016</a:t>
             </a:fld>
             <a:endParaRPr lang="fr-FR"/>
           </a:p>
@@ -3117,7 +3165,7 @@
             <a:fld id="{D8E3BBD6-5DF7-411E-B793-6A3558CCCDCA}" type="datetimeFigureOut">
               <a:rPr lang="fr-FR" smtClean="0"/>
               <a:pPr/>
-              <a:t>08/12/2014</a:t>
+              <a:t>02/02/2016</a:t>
             </a:fld>
             <a:endParaRPr lang="fr-FR"/>
           </a:p>
@@ -3327,7 +3375,7 @@
             <a:fld id="{D8E3BBD6-5DF7-411E-B793-6A3558CCCDCA}" type="datetimeFigureOut">
               <a:rPr lang="fr-FR" smtClean="0"/>
               <a:pPr/>
-              <a:t>08/12/2014</a:t>
+              <a:t>02/02/2016</a:t>
             </a:fld>
             <a:endParaRPr lang="fr-FR"/>
           </a:p>
@@ -3869,7 +3917,7 @@
         </p:nvGraphicFramePr>
         <p:xfrm>
           <a:off x="4427984" y="2595374"/>
-          <a:ext cx="4152898" cy="685800"/>
+          <a:ext cx="4152898" cy="689610"/>
         </p:xfrm>
         <a:graphic>
           <a:graphicData uri="http://schemas.openxmlformats.org/drawingml/2006/table">
@@ -5011,7 +5059,7 @@
         </p:nvGraphicFramePr>
         <p:xfrm>
           <a:off x="4499992" y="5257760"/>
-          <a:ext cx="1872208" cy="989838"/>
+          <a:ext cx="1872208" cy="1051560"/>
         </p:xfrm>
         <a:graphic>
           <a:graphicData uri="http://schemas.openxmlformats.org/drawingml/2006/table">
@@ -5594,14 +5642,14 @@
           <p:nvPr>
             <p:extLst>
               <p:ext uri="{D42A27DB-BD31-4B8C-83A1-F6EECF244321}">
-                <p14:modId xmlns:p14="http://schemas.microsoft.com/office/powerpoint/2010/main" val="2213000675"/>
+                <p14:modId xmlns:p14="http://schemas.microsoft.com/office/powerpoint/2010/main" val="1829681438"/>
               </p:ext>
             </p:extLst>
           </p:nvPr>
         </p:nvGraphicFramePr>
         <p:xfrm>
-          <a:off x="755576" y="2924944"/>
-          <a:ext cx="2983230" cy="1327155"/>
+          <a:off x="611560" y="2924944"/>
+          <a:ext cx="3312368" cy="1402080"/>
         </p:xfrm>
         <a:graphic>
           <a:graphicData uri="http://schemas.openxmlformats.org/drawingml/2006/table">
@@ -5610,8 +5658,8 @@
                 <a:tableStyleId>{0E3FDE45-AF77-4B5C-9715-49D594BDF05E}</a:tableStyleId>
               </a:tblPr>
               <a:tblGrid>
-                <a:gridCol w="2526030"/>
-                <a:gridCol w="457200"/>
+                <a:gridCol w="2478530"/>
+                <a:gridCol w="833838"/>
               </a:tblGrid>
               <a:tr h="172085">
                 <a:tc>
@@ -6482,14 +6530,14 @@
           <p:nvPr>
             <p:extLst>
               <p:ext uri="{D42A27DB-BD31-4B8C-83A1-F6EECF244321}">
-                <p14:modId xmlns:p14="http://schemas.microsoft.com/office/powerpoint/2010/main" val="2821727260"/>
+                <p14:modId xmlns:p14="http://schemas.microsoft.com/office/powerpoint/2010/main" val="3180155450"/>
               </p:ext>
             </p:extLst>
           </p:nvPr>
         </p:nvGraphicFramePr>
         <p:xfrm>
-          <a:off x="755576" y="4941168"/>
-          <a:ext cx="2983230" cy="1327155"/>
+          <a:off x="611560" y="4941168"/>
+          <a:ext cx="3312368" cy="1402080"/>
         </p:xfrm>
         <a:graphic>
           <a:graphicData uri="http://schemas.openxmlformats.org/drawingml/2006/table">
@@ -6498,8 +6546,8 @@
                 <a:tableStyleId>{0E3FDE45-AF77-4B5C-9715-49D594BDF05E}</a:tableStyleId>
               </a:tblPr>
               <a:tblGrid>
-                <a:gridCol w="2526030"/>
-                <a:gridCol w="457200"/>
+                <a:gridCol w="2520280"/>
+                <a:gridCol w="792088"/>
               </a:tblGrid>
               <a:tr h="172085">
                 <a:tc>
@@ -7517,7 +7565,7 @@
         </p:nvGraphicFramePr>
         <p:xfrm>
           <a:off x="6516216" y="5257760"/>
-          <a:ext cx="2016224" cy="989838"/>
+          <a:ext cx="2016224" cy="1051560"/>
         </p:xfrm>
         <a:graphic>
           <a:graphicData uri="http://schemas.openxmlformats.org/drawingml/2006/table">
@@ -8024,7 +8072,7 @@
       </p:sp>
       <p:sp>
         <p:nvSpPr>
-          <p:cNvPr id="18" name="TextBox 17" descr="TEXT;SYSTEM_NAME_FROM_APPLICATION"/>
+          <p:cNvPr id="18" name="TextBox 17" descr="TEXT;SYSTEM_NAME"/>
           <p:cNvSpPr txBox="1"/>
           <p:nvPr/>
         </p:nvSpPr>

--- a/CastReporting.Reporting/TemplatesFiles/Executive-summary-sample2.pptx
+++ b/CastReporting.Reporting/TemplatesFiles/Executive-summary-sample2.pptx
@@ -6139,647 +6139,6 @@
 </p:sldLayout>
 </file>
 
-<file path=ppt/slideLayouts/slideLayout17.xml><?xml version="1.0" encoding="utf-8"?>
-<p:sldLayout xmlns:a="http://schemas.openxmlformats.org/drawingml/2006/main" xmlns:r="http://schemas.openxmlformats.org/officeDocument/2006/relationships" xmlns:p="http://schemas.openxmlformats.org/presentationml/2006/main" userDrawn="1">
-  <p:cSld name="Title and Content">
-    <p:spTree>
-      <p:nvGrpSpPr>
-        <p:cNvPr id="1" name=""/>
-        <p:cNvGrpSpPr/>
-        <p:nvPr/>
-      </p:nvGrpSpPr>
-      <p:grpSpPr>
-        <a:xfrm>
-          <a:off x="0" y="0"/>
-          <a:ext cx="0" cy="0"/>
-          <a:chOff x="0" y="0"/>
-          <a:chExt cx="0" cy="0"/>
-        </a:xfrm>
-      </p:grpSpPr>
-      <p:sp>
-        <p:nvSpPr>
-          <p:cNvPr id="4" name="Slide Number Placeholder 3"/>
-          <p:cNvSpPr>
-            <a:spLocks noGrp="1"/>
-          </p:cNvSpPr>
-          <p:nvPr>
-            <p:ph type="sldNum" sz="quarter" idx="10"/>
-          </p:nvPr>
-        </p:nvSpPr>
-        <p:spPr/>
-        <p:txBody>
-          <a:bodyPr/>
-          <a:lstStyle>
-            <a:lvl1pPr>
-              <a:defRPr/>
-            </a:lvl1pPr>
-          </a:lstStyle>
-          <a:p>
-            <a:pPr>
-              <a:buClr>
-                <a:prstClr val="black"/>
-              </a:buClr>
-            </a:pPr>
-            <a:fld id="{F71C7896-8E11-4384-BFC5-C0974CDBC83D}" type="slidenum">
-              <a:rPr lang="en-US">
-                <a:solidFill>
-                  <a:srgbClr val="000000">
-                    <a:lumMod val="65000"/>
-                    <a:lumOff val="35000"/>
-                  </a:srgbClr>
-                </a:solidFill>
-              </a:rPr>
-              <a:pPr>
-                <a:buClr>
-                  <a:prstClr val="black"/>
-                </a:buClr>
-              </a:pPr>
-              <a:t>‹#›</a:t>
-            </a:fld>
-            <a:endParaRPr lang="en-US" dirty="0">
-              <a:solidFill>
-                <a:srgbClr val="000000">
-                  <a:lumMod val="65000"/>
-                  <a:lumOff val="35000"/>
-                </a:srgbClr>
-              </a:solidFill>
-            </a:endParaRPr>
-          </a:p>
-        </p:txBody>
-      </p:sp>
-      <p:sp>
-        <p:nvSpPr>
-          <p:cNvPr id="5" name="Title 4"/>
-          <p:cNvSpPr>
-            <a:spLocks noGrp="1"/>
-          </p:cNvSpPr>
-          <p:nvPr>
-            <p:ph type="title"/>
-          </p:nvPr>
-        </p:nvSpPr>
-        <p:spPr/>
-        <p:txBody>
-          <a:bodyPr/>
-          <a:lstStyle/>
-          <a:p>
-            <a:r>
-              <a:rPr lang="en-US"/>
-              <a:t>Click to edit Master title style</a:t>
-            </a:r>
-          </a:p>
-        </p:txBody>
-      </p:sp>
-      <p:sp>
-        <p:nvSpPr>
-          <p:cNvPr id="3" name="Text Placeholder 2"/>
-          <p:cNvSpPr>
-            <a:spLocks noGrp="1"/>
-          </p:cNvSpPr>
-          <p:nvPr>
-            <p:ph type="body" sz="quarter" idx="11"/>
-          </p:nvPr>
-        </p:nvSpPr>
-        <p:spPr>
-          <a:xfrm>
-            <a:off x="433918" y="907126"/>
-            <a:ext cx="11338983" cy="1836400"/>
-          </a:xfrm>
-        </p:spPr>
-        <p:txBody>
-          <a:bodyPr/>
-          <a:lstStyle/>
-          <a:p>
-            <a:pPr lvl="0"/>
-            <a:r>
-              <a:rPr lang="en-US"/>
-              <a:t>Click to edit Master text styles</a:t>
-            </a:r>
-          </a:p>
-          <a:p>
-            <a:pPr lvl="1"/>
-            <a:r>
-              <a:rPr lang="en-US"/>
-              <a:t>Second level</a:t>
-            </a:r>
-          </a:p>
-          <a:p>
-            <a:pPr lvl="2"/>
-            <a:r>
-              <a:rPr lang="en-US"/>
-              <a:t>Third level</a:t>
-            </a:r>
-          </a:p>
-          <a:p>
-            <a:pPr lvl="3"/>
-            <a:r>
-              <a:rPr lang="en-US"/>
-              <a:t>Fourth level</a:t>
-            </a:r>
-          </a:p>
-          <a:p>
-            <a:pPr lvl="4"/>
-            <a:r>
-              <a:rPr lang="en-US"/>
-              <a:t>Fifth level</a:t>
-            </a:r>
-            <a:endParaRPr lang="en-US" dirty="0"/>
-          </a:p>
-        </p:txBody>
-      </p:sp>
-    </p:spTree>
-    <p:extLst>
-      <p:ext uri="{BB962C8B-B14F-4D97-AF65-F5344CB8AC3E}">
-        <p14:creationId xmlns:p14="http://schemas.microsoft.com/office/powerpoint/2010/main" val="2351733687"/>
-      </p:ext>
-    </p:extLst>
-  </p:cSld>
-  <p:clrMapOvr>
-    <a:masterClrMapping/>
-  </p:clrMapOvr>
-</p:sldLayout>
-</file>
-
-<file path=ppt/slideLayouts/slideLayout18.xml><?xml version="1.0" encoding="utf-8"?>
-<p:sldLayout xmlns:a="http://schemas.openxmlformats.org/drawingml/2006/main" xmlns:r="http://schemas.openxmlformats.org/officeDocument/2006/relationships" xmlns:p="http://schemas.openxmlformats.org/presentationml/2006/main" showMasterSp="0" type="title">
-  <p:cSld name="Title Slide">
-    <p:bg>
-      <p:bgPr>
-        <a:solidFill>
-          <a:schemeClr val="bg1"/>
-        </a:solidFill>
-        <a:effectLst/>
-      </p:bgPr>
-    </p:bg>
-    <p:spTree>
-      <p:nvGrpSpPr>
-        <p:cNvPr id="1" name=""/>
-        <p:cNvGrpSpPr/>
-        <p:nvPr/>
-      </p:nvGrpSpPr>
-      <p:grpSpPr>
-        <a:xfrm>
-          <a:off x="0" y="0"/>
-          <a:ext cx="0" cy="0"/>
-          <a:chOff x="0" y="0"/>
-          <a:chExt cx="0" cy="0"/>
-        </a:xfrm>
-      </p:grpSpPr>
-      <p:grpSp>
-        <p:nvGrpSpPr>
-          <p:cNvPr id="4" name="Group 3"/>
-          <p:cNvGrpSpPr/>
-          <p:nvPr userDrawn="1"/>
-        </p:nvGrpSpPr>
-        <p:grpSpPr>
-          <a:xfrm>
-            <a:off x="0" y="0"/>
-            <a:ext cx="12192000" cy="6736360"/>
-            <a:chOff x="0" y="0"/>
-            <a:chExt cx="9144000" cy="6736360"/>
-          </a:xfrm>
-        </p:grpSpPr>
-        <p:grpSp>
-          <p:nvGrpSpPr>
-            <p:cNvPr id="5" name="Group 4"/>
-            <p:cNvGrpSpPr/>
-            <p:nvPr userDrawn="1"/>
-          </p:nvGrpSpPr>
-          <p:grpSpPr>
-            <a:xfrm>
-              <a:off x="0" y="0"/>
-              <a:ext cx="9144000" cy="6736360"/>
-              <a:chOff x="0" y="0"/>
-              <a:chExt cx="9144000" cy="6736360"/>
-            </a:xfrm>
-          </p:grpSpPr>
-          <p:grpSp>
-            <p:nvGrpSpPr>
-              <p:cNvPr id="7" name="Group 6"/>
-              <p:cNvGrpSpPr/>
-              <p:nvPr userDrawn="1"/>
-            </p:nvGrpSpPr>
-            <p:grpSpPr>
-              <a:xfrm>
-                <a:off x="0" y="0"/>
-                <a:ext cx="9144000" cy="6736360"/>
-                <a:chOff x="0" y="0"/>
-                <a:chExt cx="9144000" cy="6736360"/>
-              </a:xfrm>
-            </p:grpSpPr>
-            <p:pic>
-              <p:nvPicPr>
-                <p:cNvPr id="9" name="Picture 8"/>
-                <p:cNvPicPr>
-                  <a:picLocks noChangeAspect="1"/>
-                </p:cNvPicPr>
-                <p:nvPr userDrawn="1"/>
-              </p:nvPicPr>
-              <p:blipFill rotWithShape="1">
-                <a:blip r:embed="rId2" cstate="screen">
-                  <a:extLst>
-                    <a:ext uri="{28A0092B-C50C-407E-A947-70E740481C1C}">
-                      <a14:useLocalDpi xmlns:a14="http://schemas.microsoft.com/office/drawing/2010/main" val="0"/>
-                    </a:ext>
-                  </a:extLst>
-                </a:blip>
-                <a:srcRect/>
-                <a:stretch/>
-              </p:blipFill>
-              <p:spPr>
-                <a:xfrm>
-                  <a:off x="0" y="0"/>
-                  <a:ext cx="9144000" cy="6736360"/>
-                </a:xfrm>
-                <a:prstGeom prst="rect">
-                  <a:avLst/>
-                </a:prstGeom>
-              </p:spPr>
-            </p:pic>
-            <p:sp>
-              <p:nvSpPr>
-                <p:cNvPr id="10" name="Rectangle 9"/>
-                <p:cNvSpPr/>
-                <p:nvPr userDrawn="1"/>
-              </p:nvSpPr>
-              <p:spPr bwMode="auto">
-                <a:xfrm>
-                  <a:off x="5603846" y="629174"/>
-                  <a:ext cx="3254928" cy="763398"/>
-                </a:xfrm>
-                <a:prstGeom prst="rect">
-                  <a:avLst/>
-                </a:prstGeom>
-                <a:solidFill>
-                  <a:schemeClr val="bg1"/>
-                </a:solidFill>
-                <a:ln w="9525" cap="flat" cmpd="sng" algn="ctr">
-                  <a:noFill/>
-                  <a:prstDash val="solid"/>
-                  <a:miter lim="800000"/>
-                  <a:headEnd type="none" w="med" len="med"/>
-                  <a:tailEnd type="none" w="med" len="med"/>
-                </a:ln>
-                <a:effectLst/>
-              </p:spPr>
-              <p:txBody>
-                <a:bodyPr vert="horz" wrap="none" lIns="91440" tIns="45720" rIns="91440" bIns="45720" numCol="1" rtlCol="0" anchor="t" anchorCtr="0" compatLnSpc="1">
-                  <a:prstTxWarp prst="textNoShape">
-                    <a:avLst/>
-                  </a:prstTxWarp>
-                </a:bodyPr>
-                <a:lstStyle/>
-                <a:p>
-                  <a:endParaRPr lang="en-US" sz="2400" dirty="0">
-                    <a:solidFill>
-                      <a:prstClr val="black"/>
-                    </a:solidFill>
-                    <a:latin typeface="Times New Roman" pitchFamily="18" charset="0"/>
-                    <a:cs typeface="+mn-cs"/>
-                  </a:endParaRPr>
-                </a:p>
-              </p:txBody>
-            </p:sp>
-          </p:grpSp>
-          <p:pic>
-            <p:nvPicPr>
-              <p:cNvPr id="8" name="Picture 7" descr="Cover_Cast_IceBerg_3-JSP9.jpg"/>
-              <p:cNvPicPr>
-                <a:picLocks noChangeAspect="1"/>
-              </p:cNvPicPr>
-              <p:nvPr userDrawn="1"/>
-            </p:nvPicPr>
-            <p:blipFill>
-              <a:blip r:embed="rId3" cstate="screen">
-                <a:extLst>
-                  <a:ext uri="{BEBA8EAE-BF5A-486C-A8C5-ECC9F3942E4B}">
-                    <a14:imgProps xmlns:a14="http://schemas.microsoft.com/office/drawing/2010/main">
-                      <a14:imgLayer r:embed="rId4">
-                        <a14:imgEffect>
-                          <a14:sharpenSoften amount="25000"/>
-                        </a14:imgEffect>
-                      </a14:imgLayer>
-                    </a14:imgProps>
-                  </a:ext>
-                </a:extLst>
-              </a:blip>
-              <a:srcRect/>
-              <a:stretch>
-                <a:fillRect/>
-              </a:stretch>
-            </p:blipFill>
-            <p:spPr>
-              <a:xfrm>
-                <a:off x="0" y="1524000"/>
-                <a:ext cx="9144000" cy="3048000"/>
-              </a:xfrm>
-              <a:prstGeom prst="rect">
-                <a:avLst/>
-              </a:prstGeom>
-            </p:spPr>
-          </p:pic>
-        </p:grpSp>
-        <p:pic>
-          <p:nvPicPr>
-            <p:cNvPr id="6" name="Picture 5" descr="CAST_grey_100_bl.jpg"/>
-            <p:cNvPicPr>
-              <a:picLocks noChangeAspect="1"/>
-            </p:cNvPicPr>
-            <p:nvPr userDrawn="1"/>
-          </p:nvPicPr>
-          <p:blipFill>
-            <a:blip r:embed="rId5" cstate="screen"/>
-            <a:stretch>
-              <a:fillRect/>
-            </a:stretch>
-          </p:blipFill>
-          <p:spPr>
-            <a:xfrm>
-              <a:off x="5791726" y="457200"/>
-              <a:ext cx="2818874" cy="548640"/>
-            </a:xfrm>
-            <a:prstGeom prst="rect">
-              <a:avLst/>
-            </a:prstGeom>
-          </p:spPr>
-        </p:pic>
-      </p:grpSp>
-      <p:sp>
-        <p:nvSpPr>
-          <p:cNvPr id="200706" name="Rectangle 2"/>
-          <p:cNvSpPr>
-            <a:spLocks noGrp="1" noChangeArrowheads="1"/>
-          </p:cNvSpPr>
-          <p:nvPr>
-            <p:ph type="subTitle" idx="1"/>
-          </p:nvPr>
-        </p:nvSpPr>
-        <p:spPr>
-          <a:xfrm>
-            <a:off x="609600" y="5477259"/>
-            <a:ext cx="10972800" cy="353943"/>
-          </a:xfrm>
-          <a:prstGeom prst="rect">
-            <a:avLst/>
-          </a:prstGeom>
-        </p:spPr>
-        <p:txBody>
-          <a:bodyPr vert="horz" lIns="45720" tIns="45720" rIns="45720" bIns="0" rtlCol="0">
-            <a:spAutoFit/>
-          </a:bodyPr>
-          <a:lstStyle>
-            <a:lvl1pPr marL="0" indent="0">
-              <a:buNone/>
-              <a:defRPr lang="en-US" sz="2000" b="0" i="0" dirty="0">
-                <a:solidFill>
-                  <a:schemeClr val="accent2"/>
-                </a:solidFill>
-              </a:defRPr>
-            </a:lvl1pPr>
-          </a:lstStyle>
-          <a:p>
-            <a:pPr lvl="0">
-              <a:tabLst>
-                <a:tab pos="1025525" algn="l"/>
-              </a:tabLst>
-            </a:pPr>
-            <a:r>
-              <a:rPr lang="en-US"/>
-              <a:t>Click to edit Master subtitle style</a:t>
-            </a:r>
-            <a:endParaRPr lang="en-US" dirty="0"/>
-          </a:p>
-        </p:txBody>
-      </p:sp>
-      <p:sp>
-        <p:nvSpPr>
-          <p:cNvPr id="200707" name="Rectangle 3"/>
-          <p:cNvSpPr>
-            <a:spLocks noGrp="1" noChangeArrowheads="1"/>
-          </p:cNvSpPr>
-          <p:nvPr>
-            <p:ph type="ctrTitle" sz="quarter"/>
-          </p:nvPr>
-        </p:nvSpPr>
-        <p:spPr>
-          <a:xfrm>
-            <a:off x="621792" y="5034686"/>
-            <a:ext cx="10972800" cy="378565"/>
-          </a:xfrm>
-          <a:noFill/>
-          <a:ln w="9525">
-            <a:noFill/>
-            <a:miter lim="800000"/>
-            <a:headEnd/>
-            <a:tailEnd/>
-          </a:ln>
-          <a:effectLst/>
-        </p:spPr>
-        <p:txBody>
-          <a:bodyPr vert="horz" wrap="square" lIns="45720" tIns="45720" rIns="45720" bIns="0" numCol="1" anchor="b" anchorCtr="0" compatLnSpc="1">
-            <a:prstTxWarp prst="textNoShape">
-              <a:avLst/>
-            </a:prstTxWarp>
-          </a:bodyPr>
-          <a:lstStyle>
-            <a:lvl1pPr>
-              <a:defRPr lang="en-US" sz="2400" b="1" dirty="0"/>
-            </a:lvl1pPr>
-          </a:lstStyle>
-          <a:p>
-            <a:pPr lvl="0"/>
-            <a:r>
-              <a:rPr lang="en-US"/>
-              <a:t>Click to edit Master title style</a:t>
-            </a:r>
-            <a:endParaRPr lang="en-US" dirty="0"/>
-          </a:p>
-        </p:txBody>
-      </p:sp>
-    </p:spTree>
-    <p:extLst>
-      <p:ext uri="{BB962C8B-B14F-4D97-AF65-F5344CB8AC3E}">
-        <p14:creationId xmlns:p14="http://schemas.microsoft.com/office/powerpoint/2010/main" val="2524143590"/>
-      </p:ext>
-    </p:extLst>
-  </p:cSld>
-  <p:clrMapOvr>
-    <a:masterClrMapping/>
-  </p:clrMapOvr>
-</p:sldLayout>
-</file>
-
-<file path=ppt/slideLayouts/slideLayout19.xml><?xml version="1.0" encoding="utf-8"?>
-<p:sldLayout xmlns:a="http://schemas.openxmlformats.org/drawingml/2006/main" xmlns:r="http://schemas.openxmlformats.org/officeDocument/2006/relationships" xmlns:p="http://schemas.openxmlformats.org/presentationml/2006/main" type="obj">
-  <p:cSld name="1_Title and Content">
-    <p:spTree>
-      <p:nvGrpSpPr>
-        <p:cNvPr id="1" name=""/>
-        <p:cNvGrpSpPr/>
-        <p:nvPr/>
-      </p:nvGrpSpPr>
-      <p:grpSpPr>
-        <a:xfrm>
-          <a:off x="0" y="0"/>
-          <a:ext cx="0" cy="0"/>
-          <a:chOff x="0" y="0"/>
-          <a:chExt cx="0" cy="0"/>
-        </a:xfrm>
-      </p:grpSpPr>
-      <p:sp>
-        <p:nvSpPr>
-          <p:cNvPr id="2" name="Title 1"/>
-          <p:cNvSpPr>
-            <a:spLocks noGrp="1"/>
-          </p:cNvSpPr>
-          <p:nvPr>
-            <p:ph type="title"/>
-          </p:nvPr>
-        </p:nvSpPr>
-        <p:spPr/>
-        <p:txBody>
-          <a:bodyPr/>
-          <a:lstStyle/>
-          <a:p>
-            <a:r>
-              <a:rPr lang="en-US"/>
-              <a:t>Click to edit Master title style</a:t>
-            </a:r>
-            <a:endParaRPr lang="fr-FR"/>
-          </a:p>
-        </p:txBody>
-      </p:sp>
-      <p:sp>
-        <p:nvSpPr>
-          <p:cNvPr id="3" name="Content Placeholder 2"/>
-          <p:cNvSpPr>
-            <a:spLocks noGrp="1"/>
-          </p:cNvSpPr>
-          <p:nvPr>
-            <p:ph idx="1"/>
-          </p:nvPr>
-        </p:nvSpPr>
-        <p:spPr/>
-        <p:txBody>
-          <a:bodyPr/>
-          <a:lstStyle/>
-          <a:p>
-            <a:pPr lvl="0"/>
-            <a:r>
-              <a:rPr lang="en-US"/>
-              <a:t>Click to edit Master text styles</a:t>
-            </a:r>
-          </a:p>
-          <a:p>
-            <a:pPr lvl="1"/>
-            <a:r>
-              <a:rPr lang="en-US"/>
-              <a:t>Second level</a:t>
-            </a:r>
-          </a:p>
-          <a:p>
-            <a:pPr lvl="2"/>
-            <a:r>
-              <a:rPr lang="en-US"/>
-              <a:t>Third level</a:t>
-            </a:r>
-          </a:p>
-          <a:p>
-            <a:pPr lvl="3"/>
-            <a:r>
-              <a:rPr lang="en-US"/>
-              <a:t>Fourth level</a:t>
-            </a:r>
-          </a:p>
-          <a:p>
-            <a:pPr lvl="4"/>
-            <a:r>
-              <a:rPr lang="en-US"/>
-              <a:t>Fifth level</a:t>
-            </a:r>
-            <a:endParaRPr lang="fr-FR"/>
-          </a:p>
-        </p:txBody>
-      </p:sp>
-      <p:sp>
-        <p:nvSpPr>
-          <p:cNvPr id="4" name="Date Placeholder 3"/>
-          <p:cNvSpPr>
-            <a:spLocks noGrp="1"/>
-          </p:cNvSpPr>
-          <p:nvPr>
-            <p:ph type="dt" sz="half" idx="10"/>
-          </p:nvPr>
-        </p:nvSpPr>
-        <p:spPr/>
-        <p:txBody>
-          <a:bodyPr/>
-          <a:lstStyle/>
-          <a:p>
-            <a:fld id="{D8E3BBD6-5DF7-411E-B793-6A3558CCCDCA}" type="datetimeFigureOut">
-              <a:rPr lang="fr-FR" smtClean="0"/>
-              <a:pPr/>
-              <a:t>27/08/2018</a:t>
-            </a:fld>
-            <a:endParaRPr lang="fr-FR"/>
-          </a:p>
-        </p:txBody>
-      </p:sp>
-      <p:sp>
-        <p:nvSpPr>
-          <p:cNvPr id="5" name="Footer Placeholder 4"/>
-          <p:cNvSpPr>
-            <a:spLocks noGrp="1"/>
-          </p:cNvSpPr>
-          <p:nvPr>
-            <p:ph type="ftr" sz="quarter" idx="11"/>
-          </p:nvPr>
-        </p:nvSpPr>
-        <p:spPr/>
-        <p:txBody>
-          <a:bodyPr/>
-          <a:lstStyle/>
-          <a:p>
-            <a:endParaRPr lang="fr-FR"/>
-          </a:p>
-        </p:txBody>
-      </p:sp>
-      <p:sp>
-        <p:nvSpPr>
-          <p:cNvPr id="6" name="Slide Number Placeholder 5"/>
-          <p:cNvSpPr>
-            <a:spLocks noGrp="1"/>
-          </p:cNvSpPr>
-          <p:nvPr>
-            <p:ph type="sldNum" sz="quarter" idx="12"/>
-          </p:nvPr>
-        </p:nvSpPr>
-        <p:spPr/>
-        <p:txBody>
-          <a:bodyPr/>
-          <a:lstStyle/>
-          <a:p>
-            <a:fld id="{D112F321-ADE0-4CA9-90EE-BE719C325C6C}" type="slidenum">
-              <a:rPr lang="fr-FR" smtClean="0"/>
-              <a:pPr/>
-              <a:t>‹#›</a:t>
-            </a:fld>
-            <a:endParaRPr lang="fr-FR"/>
-          </a:p>
-        </p:txBody>
-      </p:sp>
-    </p:spTree>
-    <p:extLst>
-      <p:ext uri="{BB962C8B-B14F-4D97-AF65-F5344CB8AC3E}">
-        <p14:creationId xmlns:p14="http://schemas.microsoft.com/office/powerpoint/2010/main" val="1191855048"/>
-      </p:ext>
-    </p:extLst>
-  </p:cSld>
-  <p:clrMapOvr>
-    <a:masterClrMapping/>
-  </p:clrMapOvr>
-</p:sldLayout>
-</file>
-
 <file path=ppt/slideLayouts/slideLayout2.xml><?xml version="1.0" encoding="utf-8"?>
 <p:sldLayout xmlns:a="http://schemas.openxmlformats.org/drawingml/2006/main" xmlns:r="http://schemas.openxmlformats.org/officeDocument/2006/relationships" xmlns:p="http://schemas.openxmlformats.org/presentationml/2006/main" preserve="1" userDrawn="1">
   <p:cSld name="Title - Entreprise">
@@ -10367,9 +9726,6 @@
     <p:sldLayoutId id="2147483719" r:id="rId14"/>
     <p:sldLayoutId id="2147483720" r:id="rId15"/>
     <p:sldLayoutId id="2147483721" r:id="rId16"/>
-    <p:sldLayoutId id="2147483722" r:id="rId17"/>
-    <p:sldLayoutId id="2147483723" r:id="rId18"/>
-    <p:sldLayoutId id="2147483724" r:id="rId19"/>
   </p:sldLayoutIdLst>
   <p:hf hdr="0" ftr="0" dt="0"/>
   <p:txStyles>
